--- a/documentation/Project ppt.pptx
+++ b/documentation/Project ppt.pptx
@@ -5,7 +5,7 @@
     <p:sldMasterId id="2147483660" r:id="rId1"/>
   </p:sldMasterIdLst>
   <p:notesMasterIdLst>
-    <p:notesMasterId r:id="rId22"/>
+    <p:notesMasterId r:id="rId25"/>
   </p:notesMasterIdLst>
   <p:sldIdLst>
     <p:sldId id="256" r:id="rId2"/>
@@ -16,18 +16,21 @@
     <p:sldId id="269" r:id="rId7"/>
     <p:sldId id="262" r:id="rId8"/>
     <p:sldId id="263" r:id="rId9"/>
-    <p:sldId id="264" r:id="rId10"/>
-    <p:sldId id="268" r:id="rId11"/>
-    <p:sldId id="267" r:id="rId12"/>
-    <p:sldId id="270" r:id="rId13"/>
-    <p:sldId id="271" r:id="rId14"/>
-    <p:sldId id="272" r:id="rId15"/>
-    <p:sldId id="273" r:id="rId16"/>
-    <p:sldId id="274" r:id="rId17"/>
-    <p:sldId id="275" r:id="rId18"/>
-    <p:sldId id="276" r:id="rId19"/>
-    <p:sldId id="277" r:id="rId20"/>
-    <p:sldId id="278" r:id="rId21"/>
+    <p:sldId id="279" r:id="rId10"/>
+    <p:sldId id="264" r:id="rId11"/>
+    <p:sldId id="280" r:id="rId12"/>
+    <p:sldId id="281" r:id="rId13"/>
+    <p:sldId id="268" r:id="rId14"/>
+    <p:sldId id="267" r:id="rId15"/>
+    <p:sldId id="270" r:id="rId16"/>
+    <p:sldId id="271" r:id="rId17"/>
+    <p:sldId id="272" r:id="rId18"/>
+    <p:sldId id="273" r:id="rId19"/>
+    <p:sldId id="274" r:id="rId20"/>
+    <p:sldId id="275" r:id="rId21"/>
+    <p:sldId id="276" r:id="rId22"/>
+    <p:sldId id="277" r:id="rId23"/>
+    <p:sldId id="278" r:id="rId24"/>
   </p:sldIdLst>
   <p:sldSz cx="9144000" cy="6858000" type="screen4x3"/>
   <p:notesSz cx="6858000" cy="9144000"/>
@@ -211,7 +214,7 @@
           <a:p>
             <a:fld id="{FF80D799-C9EE-456E-AAFF-270C931CDABE}" type="datetimeFigureOut">
               <a:rPr lang="en-IN" smtClean="0"/>
-              <a:t>05-12-2019</a:t>
+              <a:t>06-12-2019</a:t>
             </a:fld>
             <a:endParaRPr lang="en-IN"/>
           </a:p>
@@ -1188,7 +1191,7 @@
           <a:p>
             <a:fld id="{BDB42ABA-CE06-4504-8D5A-D6FD9543B87B}" type="datetimeFigureOut">
               <a:rPr lang="en-IN" smtClean="0"/>
-              <a:t>05-12-2019</a:t>
+              <a:t>06-12-2019</a:t>
             </a:fld>
             <a:endParaRPr lang="en-IN"/>
           </a:p>
@@ -1384,7 +1387,7 @@
           <a:p>
             <a:fld id="{BDB42ABA-CE06-4504-8D5A-D6FD9543B87B}" type="datetimeFigureOut">
               <a:rPr lang="en-IN" smtClean="0"/>
-              <a:t>05-12-2019</a:t>
+              <a:t>06-12-2019</a:t>
             </a:fld>
             <a:endParaRPr lang="en-IN"/>
           </a:p>
@@ -1569,7 +1572,7 @@
           <a:p>
             <a:fld id="{BDB42ABA-CE06-4504-8D5A-D6FD9543B87B}" type="datetimeFigureOut">
               <a:rPr lang="en-IN" smtClean="0"/>
-              <a:t>05-12-2019</a:t>
+              <a:t>06-12-2019</a:t>
             </a:fld>
             <a:endParaRPr lang="en-IN"/>
           </a:p>
@@ -1719,7 +1722,7 @@
           <a:p>
             <a:fld id="{BDB42ABA-CE06-4504-8D5A-D6FD9543B87B}" type="datetimeFigureOut">
               <a:rPr lang="en-IN" smtClean="0"/>
-              <a:t>05-12-2019</a:t>
+              <a:t>06-12-2019</a:t>
             </a:fld>
             <a:endParaRPr lang="en-IN"/>
           </a:p>
@@ -1974,7 +1977,7 @@
           <a:p>
             <a:fld id="{BDB42ABA-CE06-4504-8D5A-D6FD9543B87B}" type="datetimeFigureOut">
               <a:rPr lang="en-IN" smtClean="0"/>
-              <a:t>05-12-2019</a:t>
+              <a:t>06-12-2019</a:t>
             </a:fld>
             <a:endParaRPr lang="en-IN"/>
           </a:p>
@@ -2383,7 +2386,7 @@
           <a:p>
             <a:fld id="{BDB42ABA-CE06-4504-8D5A-D6FD9543B87B}" type="datetimeFigureOut">
               <a:rPr lang="en-IN" smtClean="0"/>
-              <a:t>05-12-2019</a:t>
+              <a:t>06-12-2019</a:t>
             </a:fld>
             <a:endParaRPr lang="en-IN"/>
           </a:p>
@@ -2829,7 +2832,7 @@
           <a:p>
             <a:fld id="{BDB42ABA-CE06-4504-8D5A-D6FD9543B87B}" type="datetimeFigureOut">
               <a:rPr lang="en-IN" smtClean="0"/>
-              <a:t>05-12-2019</a:t>
+              <a:t>06-12-2019</a:t>
             </a:fld>
             <a:endParaRPr lang="en-IN"/>
           </a:p>
@@ -2930,7 +2933,7 @@
           <a:p>
             <a:fld id="{BDB42ABA-CE06-4504-8D5A-D6FD9543B87B}" type="datetimeFigureOut">
               <a:rPr lang="en-IN" smtClean="0"/>
-              <a:t>05-12-2019</a:t>
+              <a:t>06-12-2019</a:t>
             </a:fld>
             <a:endParaRPr lang="en-IN"/>
           </a:p>
@@ -3051,7 +3054,7 @@
           <a:p>
             <a:fld id="{BDB42ABA-CE06-4504-8D5A-D6FD9543B87B}" type="datetimeFigureOut">
               <a:rPr lang="en-IN" smtClean="0"/>
-              <a:t>05-12-2019</a:t>
+              <a:t>06-12-2019</a:t>
             </a:fld>
             <a:endParaRPr lang="en-IN"/>
           </a:p>
@@ -3325,7 +3328,7 @@
           <a:p>
             <a:fld id="{BDB42ABA-CE06-4504-8D5A-D6FD9543B87B}" type="datetimeFigureOut">
               <a:rPr lang="en-IN" smtClean="0"/>
-              <a:t>05-12-2019</a:t>
+              <a:t>06-12-2019</a:t>
             </a:fld>
             <a:endParaRPr lang="en-IN"/>
           </a:p>
@@ -3530,7 +3533,7 @@
           <a:p>
             <a:fld id="{BDB42ABA-CE06-4504-8D5A-D6FD9543B87B}" type="datetimeFigureOut">
               <a:rPr lang="en-IN" smtClean="0"/>
-              <a:t>05-12-2019</a:t>
+              <a:t>06-12-2019</a:t>
             </a:fld>
             <a:endParaRPr lang="en-IN"/>
           </a:p>
@@ -4639,7 +4642,7 @@
           <a:p>
             <a:fld id="{BDB42ABA-CE06-4504-8D5A-D6FD9543B87B}" type="datetimeFigureOut">
               <a:rPr lang="en-IN" smtClean="0"/>
-              <a:t>05-12-2019</a:t>
+              <a:t>06-12-2019</a:t>
             </a:fld>
             <a:endParaRPr lang="en-IN"/>
           </a:p>
@@ -5212,6 +5215,498 @@
         </p:nvSpPr>
         <p:spPr>
           <a:xfrm>
+            <a:off x="395536" y="2852936"/>
+            <a:ext cx="8229600" cy="4525963"/>
+          </a:xfrm>
+        </p:spPr>
+        <p:txBody>
+          <a:bodyPr/>
+          <a:lstStyle/>
+          <a:p>
+            <a:r>
+              <a:rPr lang="en-IN" dirty="0" smtClean="0"/>
+              <a:t>PCA is a linear method.</a:t>
+            </a:r>
+          </a:p>
+          <a:p>
+            <a:r>
+              <a:rPr lang="en-US" dirty="0"/>
+              <a:t>C</a:t>
+            </a:r>
+            <a:r>
+              <a:rPr lang="en-US" dirty="0" smtClean="0"/>
+              <a:t>reates </a:t>
+            </a:r>
+            <a:r>
+              <a:rPr lang="en-US" dirty="0"/>
+              <a:t>linearly independent vectors, so there is no covariance on which to perform </a:t>
+            </a:r>
+            <a:r>
+              <a:rPr lang="en-US" dirty="0" err="1" smtClean="0"/>
+              <a:t>eigen</a:t>
+            </a:r>
+            <a:r>
+              <a:rPr lang="en-US" dirty="0" smtClean="0"/>
+              <a:t>-decomposition</a:t>
+            </a:r>
+            <a:r>
+              <a:rPr lang="en-US" dirty="0"/>
+              <a:t> </a:t>
+            </a:r>
+            <a:r>
+              <a:rPr lang="en-US" i="1" dirty="0"/>
+              <a:t>explicitly</a:t>
+            </a:r>
+            <a:r>
+              <a:rPr lang="en-US" dirty="0"/>
+              <a:t> as we would in linear PCA</a:t>
+            </a:r>
+            <a:r>
+              <a:rPr lang="en-US" dirty="0" smtClean="0"/>
+              <a:t>.</a:t>
+            </a:r>
+          </a:p>
+          <a:p>
+            <a:r>
+              <a:rPr lang="en-US" dirty="0" smtClean="0"/>
+              <a:t>Python implementation:</a:t>
+            </a:r>
+            <a:r>
+              <a:rPr lang="en-IN" dirty="0" smtClean="0"/>
+              <a:t> </a:t>
+            </a:r>
+            <a:r>
+              <a:rPr lang="en-IN" b="1" dirty="0" err="1" smtClean="0">
+                <a:hlinkClick r:id="rId2" tooltip="sklearn.decomposition"/>
+              </a:rPr>
+              <a:t>sklearn.decomposition</a:t>
+            </a:r>
+            <a:r>
+              <a:rPr lang="en-IN" b="1" dirty="0" err="1" smtClean="0"/>
+              <a:t>.KernelPCA</a:t>
+            </a:r>
+            <a:endParaRPr lang="en-IN" b="1" dirty="0"/>
+          </a:p>
+          <a:p>
+            <a:endParaRPr lang="en-US" dirty="0" smtClean="0"/>
+          </a:p>
+        </p:txBody>
+      </p:sp>
+      <p:sp>
+        <p:nvSpPr>
+          <p:cNvPr id="3" name="Title 2"/>
+          <p:cNvSpPr>
+            <a:spLocks noGrp="1"/>
+          </p:cNvSpPr>
+          <p:nvPr>
+            <p:ph type="title"/>
+          </p:nvPr>
+        </p:nvSpPr>
+        <p:spPr/>
+        <p:txBody>
+          <a:bodyPr/>
+          <a:lstStyle/>
+          <a:p>
+            <a:pPr algn="ctr"/>
+            <a:r>
+              <a:rPr lang="en-IN" dirty="0" smtClean="0"/>
+              <a:t>Kernel - PCA</a:t>
+            </a:r>
+            <a:endParaRPr lang="en-IN" dirty="0"/>
+          </a:p>
+        </p:txBody>
+      </p:sp>
+      <p:pic>
+        <p:nvPicPr>
+          <p:cNvPr id="4" name="Picture 2"/>
+          <p:cNvPicPr>
+            <a:picLocks noChangeAspect="1" noChangeArrowheads="1"/>
+          </p:cNvPicPr>
+          <p:nvPr/>
+        </p:nvPicPr>
+        <p:blipFill>
+          <a:blip r:embed="rId3">
+            <a:extLst>
+              <a:ext uri="{28A0092B-C50C-407E-A947-70E740481C1C}">
+                <a14:useLocalDpi xmlns:a14="http://schemas.microsoft.com/office/drawing/2010/main" val="0"/>
+              </a:ext>
+            </a:extLst>
+          </a:blip>
+          <a:srcRect/>
+          <a:stretch>
+            <a:fillRect/>
+          </a:stretch>
+        </p:blipFill>
+        <p:spPr bwMode="auto">
+          <a:xfrm>
+            <a:off x="837594" y="1196752"/>
+            <a:ext cx="7334806" cy="1512168"/>
+          </a:xfrm>
+          <a:prstGeom prst="rect">
+            <a:avLst/>
+          </a:prstGeom>
+          <a:noFill/>
+          <a:ln>
+            <a:noFill/>
+          </a:ln>
+          <a:effectLst/>
+          <a:extLst>
+            <a:ext uri="{909E8E84-426E-40DD-AFC4-6F175D3DCCD1}">
+              <a14:hiddenFill xmlns:a14="http://schemas.microsoft.com/office/drawing/2010/main">
+                <a:solidFill>
+                  <a:schemeClr val="accent1"/>
+                </a:solidFill>
+              </a14:hiddenFill>
+            </a:ext>
+            <a:ext uri="{91240B29-F687-4F45-9708-019B960494DF}">
+              <a14:hiddenLine xmlns:a14="http://schemas.microsoft.com/office/drawing/2010/main" w="9525">
+                <a:solidFill>
+                  <a:schemeClr val="tx1"/>
+                </a:solidFill>
+                <a:miter lim="800000"/>
+                <a:headEnd/>
+                <a:tailEnd/>
+              </a14:hiddenLine>
+            </a:ext>
+            <a:ext uri="{AF507438-7753-43E0-B8FC-AC1667EBCBE1}">
+              <a14:hiddenEffects xmlns:a14="http://schemas.microsoft.com/office/drawing/2010/main">
+                <a:effectLst>
+                  <a:outerShdw dist="35921" dir="2700000" algn="ctr" rotWithShape="0">
+                    <a:schemeClr val="bg2"/>
+                  </a:outerShdw>
+                </a:effectLst>
+              </a14:hiddenEffects>
+            </a:ext>
+          </a:extLst>
+        </p:spPr>
+      </p:pic>
+    </p:spTree>
+    <p:extLst>
+      <p:ext uri="{BB962C8B-B14F-4D97-AF65-F5344CB8AC3E}">
+        <p14:creationId xmlns:p14="http://schemas.microsoft.com/office/powerpoint/2010/main" val="3446721837"/>
+      </p:ext>
+    </p:extLst>
+  </p:cSld>
+  <p:clrMapOvr>
+    <a:masterClrMapping/>
+  </p:clrMapOvr>
+</p:sld>
+</file>
+
+<file path=ppt/slides/slide11.xml><?xml version="1.0" encoding="utf-8"?>
+<p:sld xmlns:a="http://schemas.openxmlformats.org/drawingml/2006/main" xmlns:r="http://schemas.openxmlformats.org/officeDocument/2006/relationships" xmlns:p="http://schemas.openxmlformats.org/presentationml/2006/main">
+  <p:cSld>
+    <p:spTree>
+      <p:nvGrpSpPr>
+        <p:cNvPr id="1" name=""/>
+        <p:cNvGrpSpPr/>
+        <p:nvPr/>
+      </p:nvGrpSpPr>
+      <p:grpSpPr>
+        <a:xfrm>
+          <a:off x="0" y="0"/>
+          <a:ext cx="0" cy="0"/>
+          <a:chOff x="0" y="0"/>
+          <a:chExt cx="0" cy="0"/>
+        </a:xfrm>
+      </p:grpSpPr>
+      <p:sp>
+        <p:nvSpPr>
+          <p:cNvPr id="3" name="Title 2"/>
+          <p:cNvSpPr>
+            <a:spLocks noGrp="1"/>
+          </p:cNvSpPr>
+          <p:nvPr>
+            <p:ph type="title"/>
+          </p:nvPr>
+        </p:nvSpPr>
+        <p:spPr/>
+        <p:txBody>
+          <a:bodyPr/>
+          <a:lstStyle/>
+          <a:p>
+            <a:pPr algn="ctr"/>
+            <a:r>
+              <a:rPr lang="en-US" dirty="0" smtClean="0"/>
+              <a:t>Steps in K-PCA</a:t>
+            </a:r>
+            <a:endParaRPr lang="en-IN" dirty="0"/>
+          </a:p>
+        </p:txBody>
+      </p:sp>
+      <p:pic>
+        <p:nvPicPr>
+          <p:cNvPr id="2050" name="Picture 2" descr="https://iq.opengenus.org/content/images/2019/02/manifold.jpg"/>
+          <p:cNvPicPr>
+            <a:picLocks noChangeAspect="1" noChangeArrowheads="1"/>
+          </p:cNvPicPr>
+          <p:nvPr/>
+        </p:nvPicPr>
+        <p:blipFill rotWithShape="1">
+          <a:blip r:embed="rId2">
+            <a:extLst>
+              <a:ext uri="{28A0092B-C50C-407E-A947-70E740481C1C}">
+                <a14:useLocalDpi xmlns:a14="http://schemas.microsoft.com/office/drawing/2010/main" val="0"/>
+              </a:ext>
+            </a:extLst>
+          </a:blip>
+          <a:srcRect b="47968"/>
+          <a:stretch/>
+        </p:blipFill>
+        <p:spPr bwMode="auto">
+          <a:xfrm>
+            <a:off x="1979712" y="1196752"/>
+            <a:ext cx="5256584" cy="2735136"/>
+          </a:xfrm>
+          <a:prstGeom prst="rect">
+            <a:avLst/>
+          </a:prstGeom>
+          <a:noFill/>
+          <a:extLst>
+            <a:ext uri="{909E8E84-426E-40DD-AFC4-6F175D3DCCD1}">
+              <a14:hiddenFill xmlns:a14="http://schemas.microsoft.com/office/drawing/2010/main">
+                <a:solidFill>
+                  <a:srgbClr val="FFFFFF"/>
+                </a:solidFill>
+              </a14:hiddenFill>
+            </a:ext>
+          </a:extLst>
+        </p:spPr>
+      </p:pic>
+      <p:pic>
+        <p:nvPicPr>
+          <p:cNvPr id="2051" name="Picture 3"/>
+          <p:cNvPicPr>
+            <a:picLocks noChangeAspect="1" noChangeArrowheads="1"/>
+          </p:cNvPicPr>
+          <p:nvPr/>
+        </p:nvPicPr>
+        <p:blipFill>
+          <a:blip r:embed="rId3">
+            <a:extLst>
+              <a:ext uri="{28A0092B-C50C-407E-A947-70E740481C1C}">
+                <a14:useLocalDpi xmlns:a14="http://schemas.microsoft.com/office/drawing/2010/main" val="0"/>
+              </a:ext>
+            </a:extLst>
+          </a:blip>
+          <a:srcRect/>
+          <a:stretch>
+            <a:fillRect/>
+          </a:stretch>
+        </p:blipFill>
+        <p:spPr bwMode="auto">
+          <a:xfrm>
+            <a:off x="1763688" y="3981064"/>
+            <a:ext cx="6120680" cy="2217137"/>
+          </a:xfrm>
+          <a:prstGeom prst="rect">
+            <a:avLst/>
+          </a:prstGeom>
+          <a:noFill/>
+          <a:ln>
+            <a:noFill/>
+          </a:ln>
+          <a:effectLst/>
+          <a:extLst>
+            <a:ext uri="{909E8E84-426E-40DD-AFC4-6F175D3DCCD1}">
+              <a14:hiddenFill xmlns:a14="http://schemas.microsoft.com/office/drawing/2010/main">
+                <a:solidFill>
+                  <a:schemeClr val="accent1"/>
+                </a:solidFill>
+              </a14:hiddenFill>
+            </a:ext>
+            <a:ext uri="{91240B29-F687-4F45-9708-019B960494DF}">
+              <a14:hiddenLine xmlns:a14="http://schemas.microsoft.com/office/drawing/2010/main" w="9525">
+                <a:solidFill>
+                  <a:schemeClr val="tx1"/>
+                </a:solidFill>
+                <a:miter lim="800000"/>
+                <a:headEnd/>
+                <a:tailEnd/>
+              </a14:hiddenLine>
+            </a:ext>
+            <a:ext uri="{AF507438-7753-43E0-B8FC-AC1667EBCBE1}">
+              <a14:hiddenEffects xmlns:a14="http://schemas.microsoft.com/office/drawing/2010/main">
+                <a:effectLst>
+                  <a:outerShdw dist="35921" dir="2700000" algn="ctr" rotWithShape="0">
+                    <a:schemeClr val="bg2"/>
+                  </a:outerShdw>
+                </a:effectLst>
+              </a14:hiddenEffects>
+            </a:ext>
+          </a:extLst>
+        </p:spPr>
+      </p:pic>
+    </p:spTree>
+    <p:extLst>
+      <p:ext uri="{BB962C8B-B14F-4D97-AF65-F5344CB8AC3E}">
+        <p14:creationId xmlns:p14="http://schemas.microsoft.com/office/powerpoint/2010/main" val="621270959"/>
+      </p:ext>
+    </p:extLst>
+  </p:cSld>
+  <p:clrMapOvr>
+    <a:masterClrMapping/>
+  </p:clrMapOvr>
+  <p:timing>
+    <p:tnLst>
+      <p:par>
+        <p:cTn id="1" dur="indefinite" restart="never" nodeType="tmRoot"/>
+      </p:par>
+    </p:tnLst>
+  </p:timing>
+</p:sld>
+</file>
+
+<file path=ppt/slides/slide12.xml><?xml version="1.0" encoding="utf-8"?>
+<p:sld xmlns:a="http://schemas.openxmlformats.org/drawingml/2006/main" xmlns:r="http://schemas.openxmlformats.org/officeDocument/2006/relationships" xmlns:p="http://schemas.openxmlformats.org/presentationml/2006/main">
+  <p:cSld>
+    <p:spTree>
+      <p:nvGrpSpPr>
+        <p:cNvPr id="1" name=""/>
+        <p:cNvGrpSpPr/>
+        <p:nvPr/>
+      </p:nvGrpSpPr>
+      <p:grpSpPr>
+        <a:xfrm>
+          <a:off x="0" y="0"/>
+          <a:ext cx="0" cy="0"/>
+          <a:chOff x="0" y="0"/>
+          <a:chExt cx="0" cy="0"/>
+        </a:xfrm>
+      </p:grpSpPr>
+      <p:sp>
+        <p:nvSpPr>
+          <p:cNvPr id="3" name="Title 2"/>
+          <p:cNvSpPr>
+            <a:spLocks noGrp="1"/>
+          </p:cNvSpPr>
+          <p:nvPr>
+            <p:ph type="title"/>
+          </p:nvPr>
+        </p:nvSpPr>
+        <p:spPr/>
+        <p:txBody>
+          <a:bodyPr/>
+          <a:lstStyle/>
+          <a:p>
+            <a:r>
+              <a:rPr lang="en-US" dirty="0" smtClean="0"/>
+              <a:t>Kernel function in </a:t>
+            </a:r>
+            <a:r>
+              <a:rPr lang="en-US" dirty="0"/>
+              <a:t>K-PCA</a:t>
+            </a:r>
+            <a:endParaRPr lang="en-IN" dirty="0"/>
+          </a:p>
+        </p:txBody>
+      </p:sp>
+      <p:pic>
+        <p:nvPicPr>
+          <p:cNvPr id="3077" name="Picture 5"/>
+          <p:cNvPicPr>
+            <a:picLocks noChangeAspect="1" noChangeArrowheads="1"/>
+          </p:cNvPicPr>
+          <p:nvPr/>
+        </p:nvPicPr>
+        <p:blipFill>
+          <a:blip r:embed="rId2">
+            <a:extLst>
+              <a:ext uri="{28A0092B-C50C-407E-A947-70E740481C1C}">
+                <a14:useLocalDpi xmlns:a14="http://schemas.microsoft.com/office/drawing/2010/main" val="0"/>
+              </a:ext>
+            </a:extLst>
+          </a:blip>
+          <a:srcRect/>
+          <a:stretch>
+            <a:fillRect/>
+          </a:stretch>
+        </p:blipFill>
+        <p:spPr bwMode="auto">
+          <a:xfrm>
+            <a:off x="170194" y="1268760"/>
+            <a:ext cx="8525564" cy="4464496"/>
+          </a:xfrm>
+          <a:prstGeom prst="rect">
+            <a:avLst/>
+          </a:prstGeom>
+          <a:noFill/>
+          <a:ln>
+            <a:noFill/>
+          </a:ln>
+          <a:effectLst/>
+          <a:extLst>
+            <a:ext uri="{909E8E84-426E-40DD-AFC4-6F175D3DCCD1}">
+              <a14:hiddenFill xmlns:a14="http://schemas.microsoft.com/office/drawing/2010/main">
+                <a:solidFill>
+                  <a:schemeClr val="accent1"/>
+                </a:solidFill>
+              </a14:hiddenFill>
+            </a:ext>
+            <a:ext uri="{91240B29-F687-4F45-9708-019B960494DF}">
+              <a14:hiddenLine xmlns:a14="http://schemas.microsoft.com/office/drawing/2010/main" w="9525">
+                <a:solidFill>
+                  <a:schemeClr val="tx1"/>
+                </a:solidFill>
+                <a:miter lim="800000"/>
+                <a:headEnd/>
+                <a:tailEnd/>
+              </a14:hiddenLine>
+            </a:ext>
+            <a:ext uri="{AF507438-7753-43E0-B8FC-AC1667EBCBE1}">
+              <a14:hiddenEffects xmlns:a14="http://schemas.microsoft.com/office/drawing/2010/main">
+                <a:effectLst>
+                  <a:outerShdw dist="35921" dir="2700000" algn="ctr" rotWithShape="0">
+                    <a:schemeClr val="bg2"/>
+                  </a:outerShdw>
+                </a:effectLst>
+              </a14:hiddenEffects>
+            </a:ext>
+          </a:extLst>
+        </p:spPr>
+      </p:pic>
+    </p:spTree>
+    <p:extLst>
+      <p:ext uri="{BB962C8B-B14F-4D97-AF65-F5344CB8AC3E}">
+        <p14:creationId xmlns:p14="http://schemas.microsoft.com/office/powerpoint/2010/main" val="2494390828"/>
+      </p:ext>
+    </p:extLst>
+  </p:cSld>
+  <p:clrMapOvr>
+    <a:masterClrMapping/>
+  </p:clrMapOvr>
+</p:sld>
+</file>
+
+<file path=ppt/slides/slide13.xml><?xml version="1.0" encoding="utf-8"?>
+<p:sld xmlns:a="http://schemas.openxmlformats.org/drawingml/2006/main" xmlns:r="http://schemas.openxmlformats.org/officeDocument/2006/relationships" xmlns:p="http://schemas.openxmlformats.org/presentationml/2006/main">
+  <p:cSld>
+    <p:spTree>
+      <p:nvGrpSpPr>
+        <p:cNvPr id="1" name=""/>
+        <p:cNvGrpSpPr/>
+        <p:nvPr/>
+      </p:nvGrpSpPr>
+      <p:grpSpPr>
+        <a:xfrm>
+          <a:off x="0" y="0"/>
+          <a:ext cx="0" cy="0"/>
+          <a:chOff x="0" y="0"/>
+          <a:chExt cx="0" cy="0"/>
+        </a:xfrm>
+      </p:grpSpPr>
+      <p:sp>
+        <p:nvSpPr>
+          <p:cNvPr id="2" name="Content Placeholder 1"/>
+          <p:cNvSpPr>
+            <a:spLocks noGrp="1"/>
+          </p:cNvSpPr>
+          <p:nvPr>
+            <p:ph idx="1"/>
+          </p:nvPr>
+        </p:nvSpPr>
+        <p:spPr>
+          <a:xfrm>
             <a:off x="457200" y="2935485"/>
             <a:ext cx="8229600" cy="4525963"/>
           </a:xfrm>
@@ -5356,10 +5851,17 @@
   <p:clrMapOvr>
     <a:masterClrMapping/>
   </p:clrMapOvr>
+  <p:timing>
+    <p:tnLst>
+      <p:par>
+        <p:cTn id="1" dur="indefinite" restart="never" nodeType="tmRoot"/>
+      </p:par>
+    </p:tnLst>
+  </p:timing>
 </p:sld>
 </file>
 
-<file path=ppt/slides/slide11.xml><?xml version="1.0" encoding="utf-8"?>
+<file path=ppt/slides/slide14.xml><?xml version="1.0" encoding="utf-8"?>
 <p:sld xmlns:a="http://schemas.openxmlformats.org/drawingml/2006/main" xmlns:r="http://schemas.openxmlformats.org/officeDocument/2006/relationships" xmlns:p="http://schemas.openxmlformats.org/presentationml/2006/main">
   <p:cSld>
     <p:spTree>
@@ -5604,7 +6106,7 @@
 </p:sld>
 </file>
 
-<file path=ppt/slides/slide12.xml><?xml version="1.0" encoding="utf-8"?>
+<file path=ppt/slides/slide15.xml><?xml version="1.0" encoding="utf-8"?>
 <p:sld xmlns:a="http://schemas.openxmlformats.org/drawingml/2006/main" xmlns:r="http://schemas.openxmlformats.org/officeDocument/2006/relationships" xmlns:p="http://schemas.openxmlformats.org/presentationml/2006/main">
   <p:cSld>
     <p:spTree>
@@ -5701,11 +6203,11 @@
             </a:r>
             <a:r>
               <a:rPr lang="en-US" dirty="0"/>
-              <a:t>) / (max(RI) - </a:t>
+              <a:t>) / </a:t>
             </a:r>
             <a:r>
               <a:rPr lang="en-US" dirty="0" smtClean="0"/>
-              <a:t>								</a:t>
+              <a:t>(1- </a:t>
             </a:r>
             <a:r>
               <a:rPr lang="en-US" dirty="0" err="1" smtClean="0"/>
@@ -5834,10 +6336,17 @@
   <p:clrMapOvr>
     <a:masterClrMapping/>
   </p:clrMapOvr>
+  <p:timing>
+    <p:tnLst>
+      <p:par>
+        <p:cTn id="1" dur="indefinite" restart="never" nodeType="tmRoot"/>
+      </p:par>
+    </p:tnLst>
+  </p:timing>
 </p:sld>
 </file>
 
-<file path=ppt/slides/slide13.xml><?xml version="1.0" encoding="utf-8"?>
+<file path=ppt/slides/slide16.xml><?xml version="1.0" encoding="utf-8"?>
 <p:sld xmlns:a="http://schemas.openxmlformats.org/drawingml/2006/main" xmlns:r="http://schemas.openxmlformats.org/officeDocument/2006/relationships" xmlns:p="http://schemas.openxmlformats.org/presentationml/2006/main">
   <p:cSld>
     <p:spTree>
@@ -5956,10 +6465,17 @@
   <p:clrMapOvr>
     <a:masterClrMapping/>
   </p:clrMapOvr>
+  <p:timing>
+    <p:tnLst>
+      <p:par>
+        <p:cTn id="1" dur="indefinite" restart="never" nodeType="tmRoot"/>
+      </p:par>
+    </p:tnLst>
+  </p:timing>
 </p:sld>
 </file>
 
-<file path=ppt/slides/slide14.xml><?xml version="1.0" encoding="utf-8"?>
+<file path=ppt/slides/slide17.xml><?xml version="1.0" encoding="utf-8"?>
 <p:sld xmlns:a="http://schemas.openxmlformats.org/drawingml/2006/main" xmlns:r="http://schemas.openxmlformats.org/officeDocument/2006/relationships" xmlns:p="http://schemas.openxmlformats.org/presentationml/2006/main">
   <p:cSld>
     <p:spTree>
@@ -6210,10 +6726,17 @@
   <p:clrMapOvr>
     <a:masterClrMapping/>
   </p:clrMapOvr>
+  <p:timing>
+    <p:tnLst>
+      <p:par>
+        <p:cTn id="1" dur="indefinite" restart="never" nodeType="tmRoot"/>
+      </p:par>
+    </p:tnLst>
+  </p:timing>
 </p:sld>
 </file>
 
-<file path=ppt/slides/slide15.xml><?xml version="1.0" encoding="utf-8"?>
+<file path=ppt/slides/slide18.xml><?xml version="1.0" encoding="utf-8"?>
 <p:sld xmlns:a="http://schemas.openxmlformats.org/drawingml/2006/main" xmlns:r="http://schemas.openxmlformats.org/officeDocument/2006/relationships" xmlns:p="http://schemas.openxmlformats.org/presentationml/2006/main">
   <p:cSld>
     <p:spTree>
@@ -6531,7 +7054,7 @@
 </p:sld>
 </file>
 
-<file path=ppt/slides/slide16.xml><?xml version="1.0" encoding="utf-8"?>
+<file path=ppt/slides/slide19.xml><?xml version="1.0" encoding="utf-8"?>
 <p:sld xmlns:a="http://schemas.openxmlformats.org/drawingml/2006/main" xmlns:r="http://schemas.openxmlformats.org/officeDocument/2006/relationships" xmlns:p="http://schemas.openxmlformats.org/presentationml/2006/main">
   <p:cSld>
     <p:spTree>
@@ -6771,7 +7294,135 @@
 </p:sld>
 </file>
 
-<file path=ppt/slides/slide17.xml><?xml version="1.0" encoding="utf-8"?>
+<file path=ppt/slides/slide2.xml><?xml version="1.0" encoding="utf-8"?>
+<p:sld xmlns:a="http://schemas.openxmlformats.org/drawingml/2006/main" xmlns:r="http://schemas.openxmlformats.org/officeDocument/2006/relationships" xmlns:p="http://schemas.openxmlformats.org/presentationml/2006/main">
+  <p:cSld>
+    <p:spTree>
+      <p:nvGrpSpPr>
+        <p:cNvPr id="1" name=""/>
+        <p:cNvGrpSpPr/>
+        <p:nvPr/>
+      </p:nvGrpSpPr>
+      <p:grpSpPr>
+        <a:xfrm>
+          <a:off x="0" y="0"/>
+          <a:ext cx="0" cy="0"/>
+          <a:chOff x="0" y="0"/>
+          <a:chExt cx="0" cy="0"/>
+        </a:xfrm>
+      </p:grpSpPr>
+      <p:sp>
+        <p:nvSpPr>
+          <p:cNvPr id="2" name="Content Placeholder 1"/>
+          <p:cNvSpPr>
+            <a:spLocks noGrp="1"/>
+          </p:cNvSpPr>
+          <p:nvPr>
+            <p:ph idx="1"/>
+          </p:nvPr>
+        </p:nvSpPr>
+        <p:spPr/>
+        <p:txBody>
+          <a:bodyPr/>
+          <a:lstStyle/>
+          <a:p>
+            <a:r>
+              <a:rPr lang="en-IN" dirty="0" smtClean="0"/>
+              <a:t>Applying cluster analysis on </a:t>
+            </a:r>
+            <a:r>
+              <a:rPr lang="en-IN" dirty="0" err="1" smtClean="0"/>
+              <a:t>unstuctured</a:t>
+            </a:r>
+            <a:r>
+              <a:rPr lang="en-IN" dirty="0" smtClean="0"/>
+              <a:t> text data using techniques from machine learning and NLP.</a:t>
+            </a:r>
+          </a:p>
+          <a:p>
+            <a:r>
+              <a:rPr lang="en-IN" dirty="0"/>
+              <a:t>Automatic document </a:t>
+            </a:r>
+            <a:r>
+              <a:rPr lang="en-IN" dirty="0" smtClean="0"/>
+              <a:t>organization.</a:t>
+            </a:r>
+            <a:endParaRPr lang="en-IN" dirty="0"/>
+          </a:p>
+          <a:p>
+            <a:r>
+              <a:rPr lang="en-IN" dirty="0"/>
+              <a:t>T</a:t>
+            </a:r>
+            <a:r>
+              <a:rPr lang="en-IN" dirty="0" smtClean="0"/>
+              <a:t>opic extraction. </a:t>
+            </a:r>
+          </a:p>
+          <a:p>
+            <a:r>
+              <a:rPr lang="en-IN" dirty="0"/>
+              <a:t>I</a:t>
+            </a:r>
+            <a:r>
+              <a:rPr lang="en-IN" dirty="0" smtClean="0"/>
+              <a:t>nformation retrieval.</a:t>
+            </a:r>
+          </a:p>
+          <a:p>
+            <a:r>
+              <a:rPr lang="en-IN" dirty="0" smtClean="0"/>
+              <a:t>Filtering.</a:t>
+            </a:r>
+            <a:endParaRPr lang="en-IN" dirty="0"/>
+          </a:p>
+        </p:txBody>
+      </p:sp>
+      <p:sp>
+        <p:nvSpPr>
+          <p:cNvPr id="3" name="Title 2"/>
+          <p:cNvSpPr>
+            <a:spLocks noGrp="1"/>
+          </p:cNvSpPr>
+          <p:nvPr>
+            <p:ph type="title"/>
+          </p:nvPr>
+        </p:nvSpPr>
+        <p:spPr/>
+        <p:txBody>
+          <a:bodyPr/>
+          <a:lstStyle/>
+          <a:p>
+            <a:r>
+              <a:rPr lang="en-IN" dirty="0" smtClean="0"/>
+              <a:t>Text clustering and its uses:</a:t>
+            </a:r>
+            <a:endParaRPr lang="en-IN" dirty="0"/>
+          </a:p>
+        </p:txBody>
+      </p:sp>
+    </p:spTree>
+    <p:extLst>
+      <p:ext uri="{BB962C8B-B14F-4D97-AF65-F5344CB8AC3E}">
+        <p14:creationId xmlns:p14="http://schemas.microsoft.com/office/powerpoint/2010/main" val="501879062"/>
+      </p:ext>
+    </p:extLst>
+  </p:cSld>
+  <p:clrMapOvr>
+    <a:masterClrMapping/>
+  </p:clrMapOvr>
+  <p:timing>
+    <p:tnLst>
+      <p:par>
+        <p:cTn id="1" dur="indefinite" restart="never" nodeType="tmRoot"/>
+      </p:par>
+    </p:tnLst>
+  </p:timing>
+</p:sld>
+</file>
+
+<file path=ppt/slides/slide20.xml><?xml version="1.0" encoding="utf-8"?>
 <p:sld xmlns:a="http://schemas.openxmlformats.org/drawingml/2006/main" xmlns:r="http://schemas.openxmlformats.org/officeDocument/2006/relationships" xmlns:p="http://schemas.openxmlformats.org/presentationml/2006/main">
   <p:cSld>
     <p:spTree>
@@ -9874,7 +10525,7 @@
 </p:sld>
 </file>
 
-<file path=ppt/slides/slide18.xml><?xml version="1.0" encoding="utf-8"?>
+<file path=ppt/slides/slide21.xml><?xml version="1.0" encoding="utf-8"?>
 <p:sld xmlns:a="http://schemas.openxmlformats.org/drawingml/2006/main" xmlns:r="http://schemas.openxmlformats.org/officeDocument/2006/relationships" xmlns:p="http://schemas.openxmlformats.org/presentationml/2006/main">
   <p:cSld>
     <p:spTree>
@@ -13593,7 +14244,7 @@
 </p:sld>
 </file>
 
-<file path=ppt/slides/slide19.xml><?xml version="1.0" encoding="utf-8"?>
+<file path=ppt/slides/slide22.xml><?xml version="1.0" encoding="utf-8"?>
 <p:sld xmlns:a="http://schemas.openxmlformats.org/drawingml/2006/main" xmlns:r="http://schemas.openxmlformats.org/officeDocument/2006/relationships" xmlns:p="http://schemas.openxmlformats.org/presentationml/2006/main">
   <p:cSld>
     <p:spTree>
@@ -13727,135 +14378,7 @@
 </p:sld>
 </file>
 
-<file path=ppt/slides/slide2.xml><?xml version="1.0" encoding="utf-8"?>
-<p:sld xmlns:a="http://schemas.openxmlformats.org/drawingml/2006/main" xmlns:r="http://schemas.openxmlformats.org/officeDocument/2006/relationships" xmlns:p="http://schemas.openxmlformats.org/presentationml/2006/main">
-  <p:cSld>
-    <p:spTree>
-      <p:nvGrpSpPr>
-        <p:cNvPr id="1" name=""/>
-        <p:cNvGrpSpPr/>
-        <p:nvPr/>
-      </p:nvGrpSpPr>
-      <p:grpSpPr>
-        <a:xfrm>
-          <a:off x="0" y="0"/>
-          <a:ext cx="0" cy="0"/>
-          <a:chOff x="0" y="0"/>
-          <a:chExt cx="0" cy="0"/>
-        </a:xfrm>
-      </p:grpSpPr>
-      <p:sp>
-        <p:nvSpPr>
-          <p:cNvPr id="2" name="Content Placeholder 1"/>
-          <p:cNvSpPr>
-            <a:spLocks noGrp="1"/>
-          </p:cNvSpPr>
-          <p:nvPr>
-            <p:ph idx="1"/>
-          </p:nvPr>
-        </p:nvSpPr>
-        <p:spPr/>
-        <p:txBody>
-          <a:bodyPr/>
-          <a:lstStyle/>
-          <a:p>
-            <a:r>
-              <a:rPr lang="en-IN" dirty="0" smtClean="0"/>
-              <a:t>Applying cluster analysis on </a:t>
-            </a:r>
-            <a:r>
-              <a:rPr lang="en-IN" dirty="0" err="1" smtClean="0"/>
-              <a:t>unstuctured</a:t>
-            </a:r>
-            <a:r>
-              <a:rPr lang="en-IN" dirty="0" smtClean="0"/>
-              <a:t> text data using techniques from machine learning and NLP.</a:t>
-            </a:r>
-          </a:p>
-          <a:p>
-            <a:r>
-              <a:rPr lang="en-IN" dirty="0"/>
-              <a:t>Automatic document </a:t>
-            </a:r>
-            <a:r>
-              <a:rPr lang="en-IN" dirty="0" smtClean="0"/>
-              <a:t>organization.</a:t>
-            </a:r>
-            <a:endParaRPr lang="en-IN" dirty="0"/>
-          </a:p>
-          <a:p>
-            <a:r>
-              <a:rPr lang="en-IN" dirty="0"/>
-              <a:t>T</a:t>
-            </a:r>
-            <a:r>
-              <a:rPr lang="en-IN" dirty="0" smtClean="0"/>
-              <a:t>opic extraction. </a:t>
-            </a:r>
-          </a:p>
-          <a:p>
-            <a:r>
-              <a:rPr lang="en-IN" dirty="0"/>
-              <a:t>I</a:t>
-            </a:r>
-            <a:r>
-              <a:rPr lang="en-IN" dirty="0" smtClean="0"/>
-              <a:t>nformation retrieval.</a:t>
-            </a:r>
-          </a:p>
-          <a:p>
-            <a:r>
-              <a:rPr lang="en-IN" dirty="0" smtClean="0"/>
-              <a:t>Filtering.</a:t>
-            </a:r>
-            <a:endParaRPr lang="en-IN" dirty="0"/>
-          </a:p>
-        </p:txBody>
-      </p:sp>
-      <p:sp>
-        <p:nvSpPr>
-          <p:cNvPr id="3" name="Title 2"/>
-          <p:cNvSpPr>
-            <a:spLocks noGrp="1"/>
-          </p:cNvSpPr>
-          <p:nvPr>
-            <p:ph type="title"/>
-          </p:nvPr>
-        </p:nvSpPr>
-        <p:spPr/>
-        <p:txBody>
-          <a:bodyPr/>
-          <a:lstStyle/>
-          <a:p>
-            <a:r>
-              <a:rPr lang="en-IN" dirty="0" smtClean="0"/>
-              <a:t>Text clustering and its uses:</a:t>
-            </a:r>
-            <a:endParaRPr lang="en-IN" dirty="0"/>
-          </a:p>
-        </p:txBody>
-      </p:sp>
-    </p:spTree>
-    <p:extLst>
-      <p:ext uri="{BB962C8B-B14F-4D97-AF65-F5344CB8AC3E}">
-        <p14:creationId xmlns:p14="http://schemas.microsoft.com/office/powerpoint/2010/main" val="501879062"/>
-      </p:ext>
-    </p:extLst>
-  </p:cSld>
-  <p:clrMapOvr>
-    <a:masterClrMapping/>
-  </p:clrMapOvr>
-  <p:timing>
-    <p:tnLst>
-      <p:par>
-        <p:cTn id="1" dur="indefinite" restart="never" nodeType="tmRoot"/>
-      </p:par>
-    </p:tnLst>
-  </p:timing>
-</p:sld>
-</file>
-
-<file path=ppt/slides/slide20.xml><?xml version="1.0" encoding="utf-8"?>
+<file path=ppt/slides/slide23.xml><?xml version="1.0" encoding="utf-8"?>
 <p:sld xmlns:a="http://schemas.openxmlformats.org/drawingml/2006/main" xmlns:r="http://schemas.openxmlformats.org/officeDocument/2006/relationships" xmlns:p="http://schemas.openxmlformats.org/presentationml/2006/main">
   <p:cSld>
     <p:spTree>
@@ -14830,95 +15353,6 @@
       </p:grpSpPr>
       <p:sp>
         <p:nvSpPr>
-          <p:cNvPr id="2" name="Content Placeholder 1"/>
-          <p:cNvSpPr>
-            <a:spLocks noGrp="1"/>
-          </p:cNvSpPr>
-          <p:nvPr>
-            <p:ph idx="1"/>
-          </p:nvPr>
-        </p:nvSpPr>
-        <p:spPr>
-          <a:xfrm>
-            <a:off x="395536" y="2852936"/>
-            <a:ext cx="8229600" cy="4525963"/>
-          </a:xfrm>
-        </p:spPr>
-        <p:txBody>
-          <a:bodyPr/>
-          <a:lstStyle/>
-          <a:p>
-            <a:r>
-              <a:rPr lang="en-IN" dirty="0" smtClean="0"/>
-              <a:t>PCA is a linear method.</a:t>
-            </a:r>
-          </a:p>
-          <a:p>
-            <a:r>
-              <a:rPr lang="en-US" dirty="0"/>
-              <a:t>C</a:t>
-            </a:r>
-            <a:r>
-              <a:rPr lang="en-US" dirty="0" smtClean="0"/>
-              <a:t>reates </a:t>
-            </a:r>
-            <a:r>
-              <a:rPr lang="en-US" dirty="0"/>
-              <a:t>linearly independent vectors, so there is no covariance on which to perform </a:t>
-            </a:r>
-            <a:r>
-              <a:rPr lang="en-US" dirty="0" err="1" smtClean="0"/>
-              <a:t>eigen</a:t>
-            </a:r>
-            <a:r>
-              <a:rPr lang="en-US" dirty="0" smtClean="0"/>
-              <a:t>-decomposition</a:t>
-            </a:r>
-            <a:r>
-              <a:rPr lang="en-US" dirty="0"/>
-              <a:t> </a:t>
-            </a:r>
-            <a:r>
-              <a:rPr lang="en-US" i="1" dirty="0"/>
-              <a:t>explicitly</a:t>
-            </a:r>
-            <a:r>
-              <a:rPr lang="en-US" dirty="0"/>
-              <a:t> as we would in linear PCA</a:t>
-            </a:r>
-            <a:r>
-              <a:rPr lang="en-US" dirty="0" smtClean="0"/>
-              <a:t>.</a:t>
-            </a:r>
-          </a:p>
-          <a:p>
-            <a:r>
-              <a:rPr lang="en-US" dirty="0" smtClean="0"/>
-              <a:t>Python implementation:</a:t>
-            </a:r>
-            <a:r>
-              <a:rPr lang="en-IN" dirty="0" smtClean="0"/>
-              <a:t> </a:t>
-            </a:r>
-            <a:r>
-              <a:rPr lang="en-IN" b="1" dirty="0" err="1" smtClean="0">
-                <a:hlinkClick r:id="rId2" tooltip="sklearn.decomposition"/>
-              </a:rPr>
-              <a:t>sklearn.decomposition</a:t>
-            </a:r>
-            <a:r>
-              <a:rPr lang="en-IN" b="1" dirty="0" err="1" smtClean="0"/>
-              <a:t>.KernelPCA</a:t>
-            </a:r>
-            <a:endParaRPr lang="en-IN" b="1" dirty="0"/>
-          </a:p>
-          <a:p>
-            <a:endParaRPr lang="en-US" dirty="0" smtClean="0"/>
-          </a:p>
-        </p:txBody>
-      </p:sp>
-      <p:sp>
-        <p:nvSpPr>
           <p:cNvPr id="3" name="Title 2"/>
           <p:cNvSpPr>
             <a:spLocks noGrp="1"/>
@@ -14927,23 +15361,506 @@
             <p:ph type="title"/>
           </p:nvPr>
         </p:nvSpPr>
-        <p:spPr/>
+        <p:spPr>
+          <a:xfrm>
+            <a:off x="457200" y="116632"/>
+            <a:ext cx="8229600" cy="1143000"/>
+          </a:xfrm>
+        </p:spPr>
         <p:txBody>
           <a:bodyPr/>
           <a:lstStyle/>
           <a:p>
-            <a:pPr algn="ctr"/>
-            <a:r>
-              <a:rPr lang="en-IN" dirty="0" smtClean="0"/>
-              <a:t>Kernel - PCA</a:t>
+            <a:r>
+              <a:rPr lang="en-US" dirty="0" smtClean="0"/>
+              <a:t>Steps included in PCA:</a:t>
             </a:r>
             <a:endParaRPr lang="en-IN" dirty="0"/>
           </a:p>
         </p:txBody>
       </p:sp>
+      <p:grpSp>
+        <p:nvGrpSpPr>
+          <p:cNvPr id="16" name="Group 15"/>
+          <p:cNvGrpSpPr/>
+          <p:nvPr/>
+        </p:nvGrpSpPr>
+        <p:grpSpPr>
+          <a:xfrm>
+            <a:off x="1403648" y="1268760"/>
+            <a:ext cx="2709606" cy="1900355"/>
+            <a:chOff x="611560" y="1124744"/>
+            <a:chExt cx="2952328" cy="2376264"/>
+          </a:xfrm>
+        </p:grpSpPr>
+        <p:pic>
+          <p:nvPicPr>
+            <p:cNvPr id="1026" name="Picture 2"/>
+            <p:cNvPicPr>
+              <a:picLocks noChangeAspect="1" noChangeArrowheads="1"/>
+            </p:cNvPicPr>
+            <p:nvPr/>
+          </p:nvPicPr>
+          <p:blipFill>
+            <a:blip r:embed="rId2">
+              <a:extLst>
+                <a:ext uri="{28A0092B-C50C-407E-A947-70E740481C1C}">
+                  <a14:useLocalDpi xmlns:a14="http://schemas.microsoft.com/office/drawing/2010/main" val="0"/>
+                </a:ext>
+              </a:extLst>
+            </a:blip>
+            <a:srcRect/>
+            <a:stretch>
+              <a:fillRect/>
+            </a:stretch>
+          </p:blipFill>
+          <p:spPr bwMode="auto">
+            <a:xfrm rot="19094793">
+              <a:off x="741032" y="1560984"/>
+              <a:ext cx="2687018" cy="1197405"/>
+            </a:xfrm>
+            <a:prstGeom prst="rect">
+              <a:avLst/>
+            </a:prstGeom>
+            <a:noFill/>
+            <a:ln>
+              <a:noFill/>
+            </a:ln>
+            <a:effectLst/>
+            <a:extLst>
+              <a:ext uri="{909E8E84-426E-40DD-AFC4-6F175D3DCCD1}">
+                <a14:hiddenFill xmlns:a14="http://schemas.microsoft.com/office/drawing/2010/main">
+                  <a:solidFill>
+                    <a:schemeClr val="accent1"/>
+                  </a:solidFill>
+                </a14:hiddenFill>
+              </a:ext>
+              <a:ext uri="{91240B29-F687-4F45-9708-019B960494DF}">
+                <a14:hiddenLine xmlns:a14="http://schemas.microsoft.com/office/drawing/2010/main" w="9525">
+                  <a:solidFill>
+                    <a:schemeClr val="tx1"/>
+                  </a:solidFill>
+                  <a:miter lim="800000"/>
+                  <a:headEnd/>
+                  <a:tailEnd/>
+                </a14:hiddenLine>
+              </a:ext>
+              <a:ext uri="{AF507438-7753-43E0-B8FC-AC1667EBCBE1}">
+                <a14:hiddenEffects xmlns:a14="http://schemas.microsoft.com/office/drawing/2010/main">
+                  <a:effectLst>
+                    <a:outerShdw dist="35921" dir="2700000" algn="ctr" rotWithShape="0">
+                      <a:schemeClr val="bg2"/>
+                    </a:outerShdw>
+                  </a:effectLst>
+                </a14:hiddenEffects>
+              </a:ext>
+            </a:extLst>
+          </p:spPr>
+        </p:pic>
+        <p:grpSp>
+          <p:nvGrpSpPr>
+            <p:cNvPr id="10" name="Group 9"/>
+            <p:cNvGrpSpPr/>
+            <p:nvPr/>
+          </p:nvGrpSpPr>
+          <p:grpSpPr>
+            <a:xfrm>
+              <a:off x="611560" y="1124744"/>
+              <a:ext cx="2952328" cy="2376264"/>
+              <a:chOff x="611560" y="1124744"/>
+              <a:chExt cx="1800200" cy="1728192"/>
+            </a:xfrm>
+          </p:grpSpPr>
+          <p:cxnSp>
+            <p:nvCxnSpPr>
+              <p:cNvPr id="7" name="Straight Arrow Connector 6"/>
+              <p:cNvCxnSpPr/>
+              <p:nvPr/>
+            </p:nvCxnSpPr>
+            <p:spPr>
+              <a:xfrm flipV="1">
+                <a:off x="827584" y="1124744"/>
+                <a:ext cx="0" cy="1728192"/>
+              </a:xfrm>
+              <a:prstGeom prst="straightConnector1">
+                <a:avLst/>
+              </a:prstGeom>
+              <a:ln w="28575">
+                <a:solidFill>
+                  <a:schemeClr val="tx1"/>
+                </a:solidFill>
+                <a:tailEnd type="arrow"/>
+              </a:ln>
+            </p:spPr>
+            <p:style>
+              <a:lnRef idx="1">
+                <a:schemeClr val="accent1"/>
+              </a:lnRef>
+              <a:fillRef idx="0">
+                <a:schemeClr val="accent1"/>
+              </a:fillRef>
+              <a:effectRef idx="0">
+                <a:schemeClr val="accent1"/>
+              </a:effectRef>
+              <a:fontRef idx="minor">
+                <a:schemeClr val="tx1"/>
+              </a:fontRef>
+            </p:style>
+          </p:cxnSp>
+          <p:cxnSp>
+            <p:nvCxnSpPr>
+              <p:cNvPr id="8" name="Straight Arrow Connector 7"/>
+              <p:cNvCxnSpPr/>
+              <p:nvPr/>
+            </p:nvCxnSpPr>
+            <p:spPr>
+              <a:xfrm>
+                <a:off x="611560" y="2708920"/>
+                <a:ext cx="1800200" cy="0"/>
+              </a:xfrm>
+              <a:prstGeom prst="straightConnector1">
+                <a:avLst/>
+              </a:prstGeom>
+              <a:ln w="28575">
+                <a:solidFill>
+                  <a:schemeClr val="tx1"/>
+                </a:solidFill>
+                <a:tailEnd type="arrow"/>
+              </a:ln>
+            </p:spPr>
+            <p:style>
+              <a:lnRef idx="1">
+                <a:schemeClr val="accent1"/>
+              </a:lnRef>
+              <a:fillRef idx="0">
+                <a:schemeClr val="accent1"/>
+              </a:fillRef>
+              <a:effectRef idx="0">
+                <a:schemeClr val="accent1"/>
+              </a:effectRef>
+              <a:fontRef idx="minor">
+                <a:schemeClr val="tx1"/>
+              </a:fontRef>
+            </p:style>
+          </p:cxnSp>
+        </p:grpSp>
+      </p:grpSp>
+      <p:grpSp>
+        <p:nvGrpSpPr>
+          <p:cNvPr id="29" name="Group 28"/>
+          <p:cNvGrpSpPr/>
+          <p:nvPr/>
+        </p:nvGrpSpPr>
+        <p:grpSpPr>
+          <a:xfrm>
+            <a:off x="4716016" y="1093610"/>
+            <a:ext cx="2808312" cy="1975350"/>
+            <a:chOff x="4355976" y="973086"/>
+            <a:chExt cx="3528392" cy="2527922"/>
+          </a:xfrm>
+        </p:grpSpPr>
+        <p:grpSp>
+          <p:nvGrpSpPr>
+            <p:cNvPr id="18" name="Group 17"/>
+            <p:cNvGrpSpPr/>
+            <p:nvPr/>
+          </p:nvGrpSpPr>
+          <p:grpSpPr>
+            <a:xfrm>
+              <a:off x="4932040" y="1124744"/>
+              <a:ext cx="2952328" cy="2376264"/>
+              <a:chOff x="611560" y="1124744"/>
+              <a:chExt cx="2952328" cy="2376264"/>
+            </a:xfrm>
+          </p:grpSpPr>
+          <p:pic>
+            <p:nvPicPr>
+              <p:cNvPr id="19" name="Picture 2"/>
+              <p:cNvPicPr>
+                <a:picLocks noChangeAspect="1" noChangeArrowheads="1"/>
+              </p:cNvPicPr>
+              <p:nvPr/>
+            </p:nvPicPr>
+            <p:blipFill>
+              <a:blip r:embed="rId2">
+                <a:extLst>
+                  <a:ext uri="{28A0092B-C50C-407E-A947-70E740481C1C}">
+                    <a14:useLocalDpi xmlns:a14="http://schemas.microsoft.com/office/drawing/2010/main" val="0"/>
+                  </a:ext>
+                </a:extLst>
+              </a:blip>
+              <a:srcRect/>
+              <a:stretch>
+                <a:fillRect/>
+              </a:stretch>
+            </p:blipFill>
+            <p:spPr bwMode="auto">
+              <a:xfrm rot="19094793">
+                <a:off x="741032" y="1560984"/>
+                <a:ext cx="2687018" cy="1197405"/>
+              </a:xfrm>
+              <a:prstGeom prst="rect">
+                <a:avLst/>
+              </a:prstGeom>
+              <a:noFill/>
+              <a:ln>
+                <a:noFill/>
+              </a:ln>
+              <a:effectLst/>
+              <a:extLst>
+                <a:ext uri="{909E8E84-426E-40DD-AFC4-6F175D3DCCD1}">
+                  <a14:hiddenFill xmlns:a14="http://schemas.microsoft.com/office/drawing/2010/main">
+                    <a:solidFill>
+                      <a:schemeClr val="accent1"/>
+                    </a:solidFill>
+                  </a14:hiddenFill>
+                </a:ext>
+                <a:ext uri="{91240B29-F687-4F45-9708-019B960494DF}">
+                  <a14:hiddenLine xmlns:a14="http://schemas.microsoft.com/office/drawing/2010/main" w="9525">
+                    <a:solidFill>
+                      <a:schemeClr val="tx1"/>
+                    </a:solidFill>
+                    <a:miter lim="800000"/>
+                    <a:headEnd/>
+                    <a:tailEnd/>
+                  </a14:hiddenLine>
+                </a:ext>
+                <a:ext uri="{AF507438-7753-43E0-B8FC-AC1667EBCBE1}">
+                  <a14:hiddenEffects xmlns:a14="http://schemas.microsoft.com/office/drawing/2010/main">
+                    <a:effectLst>
+                      <a:outerShdw dist="35921" dir="2700000" algn="ctr" rotWithShape="0">
+                        <a:schemeClr val="bg2"/>
+                      </a:outerShdw>
+                    </a:effectLst>
+                  </a14:hiddenEffects>
+                </a:ext>
+              </a:extLst>
+            </p:spPr>
+          </p:pic>
+          <p:grpSp>
+            <p:nvGrpSpPr>
+              <p:cNvPr id="20" name="Group 19"/>
+              <p:cNvGrpSpPr/>
+              <p:nvPr/>
+            </p:nvGrpSpPr>
+            <p:grpSpPr>
+              <a:xfrm>
+                <a:off x="611560" y="1124744"/>
+                <a:ext cx="2952328" cy="2376264"/>
+                <a:chOff x="611560" y="1124744"/>
+                <a:chExt cx="1800200" cy="1728192"/>
+              </a:xfrm>
+            </p:grpSpPr>
+            <p:cxnSp>
+              <p:nvCxnSpPr>
+                <p:cNvPr id="21" name="Straight Arrow Connector 20"/>
+                <p:cNvCxnSpPr/>
+                <p:nvPr/>
+              </p:nvCxnSpPr>
+              <p:spPr>
+                <a:xfrm flipV="1">
+                  <a:off x="827584" y="1124744"/>
+                  <a:ext cx="0" cy="1728192"/>
+                </a:xfrm>
+                <a:prstGeom prst="straightConnector1">
+                  <a:avLst/>
+                </a:prstGeom>
+                <a:ln w="28575">
+                  <a:solidFill>
+                    <a:schemeClr val="tx1"/>
+                  </a:solidFill>
+                  <a:tailEnd type="arrow"/>
+                </a:ln>
+              </p:spPr>
+              <p:style>
+                <a:lnRef idx="1">
+                  <a:schemeClr val="accent1"/>
+                </a:lnRef>
+                <a:fillRef idx="0">
+                  <a:schemeClr val="accent1"/>
+                </a:fillRef>
+                <a:effectRef idx="0">
+                  <a:schemeClr val="accent1"/>
+                </a:effectRef>
+                <a:fontRef idx="minor">
+                  <a:schemeClr val="tx1"/>
+                </a:fontRef>
+              </p:style>
+            </p:cxnSp>
+            <p:cxnSp>
+              <p:nvCxnSpPr>
+                <p:cNvPr id="22" name="Straight Arrow Connector 21"/>
+                <p:cNvCxnSpPr/>
+                <p:nvPr/>
+              </p:nvCxnSpPr>
+              <p:spPr>
+                <a:xfrm>
+                  <a:off x="611560" y="2708920"/>
+                  <a:ext cx="1800200" cy="0"/>
+                </a:xfrm>
+                <a:prstGeom prst="straightConnector1">
+                  <a:avLst/>
+                </a:prstGeom>
+                <a:ln w="28575">
+                  <a:solidFill>
+                    <a:schemeClr val="tx1"/>
+                  </a:solidFill>
+                  <a:tailEnd type="arrow"/>
+                </a:ln>
+              </p:spPr>
+              <p:style>
+                <a:lnRef idx="1">
+                  <a:schemeClr val="accent1"/>
+                </a:lnRef>
+                <a:fillRef idx="0">
+                  <a:schemeClr val="accent1"/>
+                </a:fillRef>
+                <a:effectRef idx="0">
+                  <a:schemeClr val="accent1"/>
+                </a:effectRef>
+                <a:fontRef idx="minor">
+                  <a:schemeClr val="tx1"/>
+                </a:fontRef>
+              </p:style>
+            </p:cxnSp>
+          </p:grpSp>
+        </p:grpSp>
+        <p:cxnSp>
+          <p:nvCxnSpPr>
+            <p:cNvPr id="23" name="Straight Arrow Connector 22"/>
+            <p:cNvCxnSpPr/>
+            <p:nvPr/>
+          </p:nvCxnSpPr>
+          <p:spPr>
+            <a:xfrm flipV="1">
+              <a:off x="5286319" y="980728"/>
+              <a:ext cx="2310017" cy="2322258"/>
+            </a:xfrm>
+            <a:prstGeom prst="straightConnector1">
+              <a:avLst/>
+            </a:prstGeom>
+            <a:ln w="28575">
+              <a:solidFill>
+                <a:schemeClr val="accent2"/>
+              </a:solidFill>
+              <a:tailEnd type="arrow"/>
+            </a:ln>
+          </p:spPr>
+          <p:style>
+            <a:lnRef idx="1">
+              <a:schemeClr val="accent1"/>
+            </a:lnRef>
+            <a:fillRef idx="0">
+              <a:schemeClr val="accent1"/>
+            </a:fillRef>
+            <a:effectRef idx="0">
+              <a:schemeClr val="accent1"/>
+            </a:effectRef>
+            <a:fontRef idx="minor">
+              <a:schemeClr val="tx1"/>
+            </a:fontRef>
+          </p:style>
+        </p:cxnSp>
+        <p:cxnSp>
+          <p:nvCxnSpPr>
+            <p:cNvPr id="25" name="Straight Arrow Connector 24"/>
+            <p:cNvCxnSpPr/>
+            <p:nvPr/>
+          </p:nvCxnSpPr>
+          <p:spPr>
+            <a:xfrm flipH="1" flipV="1">
+              <a:off x="4355976" y="2312876"/>
+              <a:ext cx="952040" cy="990110"/>
+            </a:xfrm>
+            <a:prstGeom prst="straightConnector1">
+              <a:avLst/>
+            </a:prstGeom>
+            <a:ln w="28575">
+              <a:solidFill>
+                <a:schemeClr val="accent2"/>
+              </a:solidFill>
+              <a:tailEnd type="arrow"/>
+            </a:ln>
+          </p:spPr>
+          <p:style>
+            <a:lnRef idx="1">
+              <a:schemeClr val="accent1"/>
+            </a:lnRef>
+            <a:fillRef idx="0">
+              <a:schemeClr val="accent1"/>
+            </a:fillRef>
+            <a:effectRef idx="0">
+              <a:schemeClr val="accent1"/>
+            </a:effectRef>
+            <a:fontRef idx="minor">
+              <a:schemeClr val="tx1"/>
+            </a:fontRef>
+          </p:style>
+        </p:cxnSp>
+        <p:sp>
+          <p:nvSpPr>
+            <p:cNvPr id="27" name="TextBox 26"/>
+            <p:cNvSpPr txBox="1"/>
+            <p:nvPr/>
+          </p:nvSpPr>
+          <p:spPr>
+            <a:xfrm rot="2739907">
+              <a:off x="4476715" y="2345022"/>
+              <a:ext cx="692044" cy="307777"/>
+            </a:xfrm>
+            <a:prstGeom prst="rect">
+              <a:avLst/>
+            </a:prstGeom>
+            <a:noFill/>
+          </p:spPr>
+          <p:txBody>
+            <a:bodyPr wrap="square" rtlCol="0">
+              <a:spAutoFit/>
+            </a:bodyPr>
+            <a:lstStyle/>
+            <a:p>
+              <a:r>
+                <a:rPr lang="en-US" sz="1400" dirty="0" smtClean="0"/>
+                <a:t>PC2</a:t>
+              </a:r>
+              <a:endParaRPr lang="en-IN" sz="1400" dirty="0"/>
+            </a:p>
+          </p:txBody>
+        </p:sp>
+        <p:sp>
+          <p:nvSpPr>
+            <p:cNvPr id="28" name="TextBox 27"/>
+            <p:cNvSpPr txBox="1"/>
+            <p:nvPr/>
+          </p:nvSpPr>
+          <p:spPr>
+            <a:xfrm rot="18987754">
+              <a:off x="6807484" y="973086"/>
+              <a:ext cx="791745" cy="354485"/>
+            </a:xfrm>
+            <a:prstGeom prst="rect">
+              <a:avLst/>
+            </a:prstGeom>
+            <a:noFill/>
+          </p:spPr>
+          <p:txBody>
+            <a:bodyPr wrap="square" rtlCol="0">
+              <a:spAutoFit/>
+            </a:bodyPr>
+            <a:lstStyle/>
+            <a:p>
+              <a:r>
+                <a:rPr lang="en-US" sz="1200" dirty="0" smtClean="0"/>
+                <a:t>PC1</a:t>
+              </a:r>
+              <a:endParaRPr lang="en-IN" sz="1200" dirty="0"/>
+            </a:p>
+          </p:txBody>
+        </p:sp>
+      </p:grpSp>
       <p:pic>
         <p:nvPicPr>
-          <p:cNvPr id="4" name="Picture 2"/>
+          <p:cNvPr id="1027" name="Picture 3"/>
           <p:cNvPicPr>
             <a:picLocks noChangeAspect="1" noChangeArrowheads="1"/>
           </p:cNvPicPr>
@@ -14964,8 +15881,8 @@
         </p:blipFill>
         <p:spPr bwMode="auto">
           <a:xfrm>
-            <a:off x="837594" y="1196752"/>
-            <a:ext cx="7334806" cy="1512168"/>
+            <a:off x="936127" y="3212976"/>
+            <a:ext cx="7331075" cy="3063875"/>
           </a:xfrm>
           <a:prstGeom prst="rect">
             <a:avLst/>
@@ -15008,7 +15925,7 @@
     </p:spTree>
     <p:extLst>
       <p:ext uri="{BB962C8B-B14F-4D97-AF65-F5344CB8AC3E}">
-        <p14:creationId xmlns:p14="http://schemas.microsoft.com/office/powerpoint/2010/main" val="3446721837"/>
+        <p14:creationId xmlns:p14="http://schemas.microsoft.com/office/powerpoint/2010/main" val="1354284230"/>
       </p:ext>
     </p:extLst>
   </p:cSld>
